--- a/mvc/mvc.pptx
+++ b/mvc/mvc.pptx
@@ -3845,7 +3845,7 @@
           </a:p>
           <a:p>
             <a:r>
-              <a:rPr lang="zh-CN" altLang="en-US" smtClean="0"/>
+              <a:rPr lang="zh-CN" altLang="en-US" dirty="0" smtClean="0"/>
               <a:t>接口式</a:t>
             </a:r>
             <a:r>
@@ -3853,27 +3853,51 @@
               <a:t>思维</a:t>
             </a:r>
             <a:r>
-              <a:rPr lang="en-US" altLang="zh-CN" dirty="0"/>
-              <a:t>: </a:t>
-            </a:r>
-            <a:r>
-              <a:rPr lang="zh-CN" altLang="en-US" dirty="0"/>
-              <a:t>组件</a:t>
+              <a:rPr lang="en-US" altLang="zh-CN" dirty="0" smtClean="0"/>
+              <a:t>:</a:t>
+            </a:r>
+            <a:r>
+              <a:rPr lang="zh-CN" altLang="en-US" b="1" dirty="0"/>
+              <a:t>明确定义要做的事情</a:t>
+            </a:r>
+            <a:r>
+              <a:rPr lang="en-US" altLang="zh-CN" b="1" dirty="0"/>
+              <a:t>, </a:t>
+            </a:r>
+            <a:r>
+              <a:rPr lang="zh-CN" altLang="en-US" b="1" dirty="0"/>
+              <a:t>而且尽可能</a:t>
+            </a:r>
+            <a:r>
+              <a:rPr lang="zh-CN" altLang="en-US" b="1" dirty="0" smtClean="0"/>
+              <a:t>单一</a:t>
+            </a:r>
+            <a:r>
+              <a:rPr lang="en-US" altLang="zh-CN" dirty="0" smtClean="0"/>
+              <a:t>.</a:t>
+            </a:r>
+            <a:r>
+              <a:rPr lang="zh-CN" altLang="en-US" dirty="0" smtClean="0"/>
+              <a:t> 组件</a:t>
             </a:r>
             <a:r>
               <a:rPr lang="en-US" altLang="zh-CN" dirty="0" err="1"/>
               <a:t>propTypes</a:t>
             </a:r>
             <a:r>
-              <a:rPr lang="en-US" altLang="zh-CN" dirty="0"/>
-              <a:t>; </a:t>
+              <a:rPr lang="en-US" altLang="zh-CN" dirty="0" smtClean="0"/>
+              <a:t>;</a:t>
             </a:r>
             <a:r>
               <a:rPr lang="zh-CN" altLang="en-US" dirty="0"/>
               <a:t>注释</a:t>
             </a:r>
             <a:r>
-              <a:rPr lang="en-US" altLang="zh-CN" dirty="0"/>
+              <a:rPr lang="zh-CN" altLang="en-US" dirty="0" smtClean="0"/>
+              <a:t>先行</a:t>
+            </a:r>
+            <a:r>
+              <a:rPr lang="en-US" altLang="zh-CN" dirty="0" smtClean="0"/>
               <a:t>;</a:t>
             </a:r>
             <a:endParaRPr lang="en-US" altLang="zh-CN" dirty="0"/>
